--- a/httpserver_ppt_soyeonPark.pptx
+++ b/httpserver_ppt_soyeonPark.pptx
@@ -218,7 +218,7 @@
           <a:p>
             <a:fld id="{81B463DA-8B1F-4702-BFCF-BDF5CF43E1A4}" type="datetimeFigureOut">
               <a:rPr lang="ko-KR" altLang="en-US" smtClean="0"/>
-              <a:t>2020-02-12</a:t>
+              <a:t>2020-02-13</a:t>
             </a:fld>
             <a:endParaRPr lang="ko-KR" altLang="en-US"/>
           </a:p>
@@ -3073,7 +3073,7 @@
           <a:p>
             <a:fld id="{B2E4E223-AC38-40A0-B5D2-963A4B93F8DD}" type="datetimeFigureOut">
               <a:rPr lang="ko-KR" altLang="en-US" smtClean="0"/>
-              <a:t>2020-02-12</a:t>
+              <a:t>2020-02-13</a:t>
             </a:fld>
             <a:endParaRPr lang="ko-KR" altLang="en-US"/>
           </a:p>
@@ -3243,7 +3243,7 @@
           <a:p>
             <a:fld id="{B2E4E223-AC38-40A0-B5D2-963A4B93F8DD}" type="datetimeFigureOut">
               <a:rPr lang="ko-KR" altLang="en-US" smtClean="0"/>
-              <a:t>2020-02-12</a:t>
+              <a:t>2020-02-13</a:t>
             </a:fld>
             <a:endParaRPr lang="ko-KR" altLang="en-US"/>
           </a:p>
@@ -3423,7 +3423,7 @@
           <a:p>
             <a:fld id="{B2E4E223-AC38-40A0-B5D2-963A4B93F8DD}" type="datetimeFigureOut">
               <a:rPr lang="ko-KR" altLang="en-US" smtClean="0"/>
-              <a:t>2020-02-12</a:t>
+              <a:t>2020-02-13</a:t>
             </a:fld>
             <a:endParaRPr lang="ko-KR" altLang="en-US"/>
           </a:p>
@@ -3593,7 +3593,7 @@
           <a:p>
             <a:fld id="{B2E4E223-AC38-40A0-B5D2-963A4B93F8DD}" type="datetimeFigureOut">
               <a:rPr lang="ko-KR" altLang="en-US" smtClean="0"/>
-              <a:t>2020-02-12</a:t>
+              <a:t>2020-02-13</a:t>
             </a:fld>
             <a:endParaRPr lang="ko-KR" altLang="en-US"/>
           </a:p>
@@ -3839,7 +3839,7 @@
           <a:p>
             <a:fld id="{B2E4E223-AC38-40A0-B5D2-963A4B93F8DD}" type="datetimeFigureOut">
               <a:rPr lang="ko-KR" altLang="en-US" smtClean="0"/>
-              <a:t>2020-02-12</a:t>
+              <a:t>2020-02-13</a:t>
             </a:fld>
             <a:endParaRPr lang="ko-KR" altLang="en-US"/>
           </a:p>
@@ -4071,7 +4071,7 @@
           <a:p>
             <a:fld id="{B2E4E223-AC38-40A0-B5D2-963A4B93F8DD}" type="datetimeFigureOut">
               <a:rPr lang="ko-KR" altLang="en-US" smtClean="0"/>
-              <a:t>2020-02-12</a:t>
+              <a:t>2020-02-13</a:t>
             </a:fld>
             <a:endParaRPr lang="ko-KR" altLang="en-US"/>
           </a:p>
@@ -4438,7 +4438,7 @@
           <a:p>
             <a:fld id="{B2E4E223-AC38-40A0-B5D2-963A4B93F8DD}" type="datetimeFigureOut">
               <a:rPr lang="ko-KR" altLang="en-US" smtClean="0"/>
-              <a:t>2020-02-12</a:t>
+              <a:t>2020-02-13</a:t>
             </a:fld>
             <a:endParaRPr lang="ko-KR" altLang="en-US"/>
           </a:p>
@@ -4556,7 +4556,7 @@
           <a:p>
             <a:fld id="{B2E4E223-AC38-40A0-B5D2-963A4B93F8DD}" type="datetimeFigureOut">
               <a:rPr lang="ko-KR" altLang="en-US" smtClean="0"/>
-              <a:t>2020-02-12</a:t>
+              <a:t>2020-02-13</a:t>
             </a:fld>
             <a:endParaRPr lang="ko-KR" altLang="en-US"/>
           </a:p>
@@ -4651,7 +4651,7 @@
           <a:p>
             <a:fld id="{B2E4E223-AC38-40A0-B5D2-963A4B93F8DD}" type="datetimeFigureOut">
               <a:rPr lang="ko-KR" altLang="en-US" smtClean="0"/>
-              <a:t>2020-02-12</a:t>
+              <a:t>2020-02-13</a:t>
             </a:fld>
             <a:endParaRPr lang="ko-KR" altLang="en-US"/>
           </a:p>
@@ -4928,7 +4928,7 @@
           <a:p>
             <a:fld id="{B2E4E223-AC38-40A0-B5D2-963A4B93F8DD}" type="datetimeFigureOut">
               <a:rPr lang="ko-KR" altLang="en-US" smtClean="0"/>
-              <a:t>2020-02-12</a:t>
+              <a:t>2020-02-13</a:t>
             </a:fld>
             <a:endParaRPr lang="ko-KR" altLang="en-US"/>
           </a:p>
@@ -5181,7 +5181,7 @@
           <a:p>
             <a:fld id="{B2E4E223-AC38-40A0-B5D2-963A4B93F8DD}" type="datetimeFigureOut">
               <a:rPr lang="ko-KR" altLang="en-US" smtClean="0"/>
-              <a:t>2020-02-12</a:t>
+              <a:t>2020-02-13</a:t>
             </a:fld>
             <a:endParaRPr lang="ko-KR" altLang="en-US"/>
           </a:p>
@@ -5394,7 +5394,7 @@
           <a:p>
             <a:fld id="{B2E4E223-AC38-40A0-B5D2-963A4B93F8DD}" type="datetimeFigureOut">
               <a:rPr lang="ko-KR" altLang="en-US" smtClean="0"/>
-              <a:t>2020-02-12</a:t>
+              <a:t>2020-02-13</a:t>
             </a:fld>
             <a:endParaRPr lang="ko-KR" altLang="en-US"/>
           </a:p>
@@ -5821,11 +5821,7 @@
           <a:p>
             <a:r>
               <a:rPr lang="en-US" altLang="ko-KR" dirty="0" smtClean="0"/>
-              <a:t>HTTP </a:t>
-            </a:r>
-            <a:r>
-              <a:rPr lang="en-US" altLang="ko-KR" dirty="0" smtClean="0"/>
-              <a:t>Server </a:t>
+              <a:t>HTTP Server </a:t>
             </a:r>
             <a:r>
               <a:rPr lang="ko-KR" altLang="en-US" sz="5400" dirty="0" smtClean="0"/>
@@ -6012,11 +6008,7 @@
             </a:r>
             <a:r>
               <a:rPr lang="en-US" altLang="ko-KR" dirty="0" smtClean="0"/>
-              <a:t>– </a:t>
-            </a:r>
-            <a:r>
-              <a:rPr lang="en-US" altLang="ko-KR" dirty="0" smtClean="0"/>
-              <a:t>Request Parsing</a:t>
+              <a:t>– Request Parsing</a:t>
             </a:r>
             <a:endParaRPr lang="ko-KR" altLang="en-US" dirty="0"/>
           </a:p>
@@ -7440,11 +7432,7 @@
             </a:r>
             <a:r>
               <a:rPr lang="en-US" altLang="ko-KR" dirty="0" smtClean="0"/>
-              <a:t>– </a:t>
-            </a:r>
-            <a:r>
-              <a:rPr lang="en-US" altLang="ko-KR" dirty="0" smtClean="0"/>
-              <a:t>Keep-Alive(state </a:t>
+              <a:t>– Keep-Alive(state </a:t>
             </a:r>
             <a:r>
               <a:rPr lang="ko-KR" altLang="en-US" dirty="0" smtClean="0"/>
@@ -8024,11 +8012,7 @@
             </a:r>
             <a:r>
               <a:rPr lang="en-US" altLang="ko-KR" dirty="0" smtClean="0"/>
-              <a:t>– </a:t>
-            </a:r>
-            <a:r>
-              <a:rPr lang="en-US" altLang="ko-KR" dirty="0" smtClean="0"/>
-              <a:t>cache (redirection)</a:t>
+              <a:t>– cache (redirection)</a:t>
             </a:r>
             <a:endParaRPr lang="ko-KR" altLang="en-US" dirty="0"/>
           </a:p>
@@ -8414,11 +8398,7 @@
             </a:r>
             <a:r>
               <a:rPr lang="en-US" altLang="ko-KR" dirty="0" smtClean="0"/>
-              <a:t>– </a:t>
-            </a:r>
-            <a:r>
-              <a:rPr lang="en-US" altLang="ko-KR" dirty="0" smtClean="0"/>
-              <a:t>cache (redirection)</a:t>
+              <a:t>– cache (redirection)</a:t>
             </a:r>
             <a:endParaRPr lang="ko-KR" altLang="en-US" dirty="0"/>
           </a:p>
@@ -8559,9 +8539,47 @@
           </a:p>
         </p:txBody>
       </p:sp>
+      <p:sp>
+        <p:nvSpPr>
+          <p:cNvPr id="14" name="TextBox 13"/>
+          <p:cNvSpPr txBox="1"/>
+          <p:nvPr/>
+        </p:nvSpPr>
+        <p:spPr>
+          <a:xfrm>
+            <a:off x="436931" y="4065512"/>
+            <a:ext cx="2401555" cy="369332"/>
+          </a:xfrm>
+          <a:prstGeom prst="rect">
+            <a:avLst/>
+          </a:prstGeom>
+          <a:noFill/>
+        </p:spPr>
+        <p:txBody>
+          <a:bodyPr wrap="none" rtlCol="0">
+            <a:spAutoFit/>
+          </a:bodyPr>
+          <a:lstStyle/>
+          <a:p>
+            <a:r>
+              <a:rPr lang="en-US" altLang="ko-KR" dirty="0" smtClean="0"/>
+              <a:t>3</a:t>
+            </a:r>
+            <a:r>
+              <a:rPr lang="en-US" altLang="ko-KR" dirty="0" smtClean="0"/>
+              <a:t>.Cache-Control </a:t>
+            </a:r>
+            <a:r>
+              <a:rPr lang="ko-KR" altLang="en-US" dirty="0" smtClean="0"/>
+              <a:t>헤더</a:t>
+            </a:r>
+            <a:endParaRPr lang="ko-KR" altLang="en-US" dirty="0"/>
+          </a:p>
+        </p:txBody>
+      </p:sp>
       <p:pic>
         <p:nvPicPr>
-          <p:cNvPr id="6" name="그림 5"/>
+          <p:cNvPr id="2" name="그림 1"/>
           <p:cNvPicPr>
             <a:picLocks noChangeAspect="1"/>
           </p:cNvPicPr>
@@ -8581,8 +8599,8 @@
         </p:blipFill>
         <p:spPr>
           <a:xfrm>
-            <a:off x="536086" y="4835838"/>
-            <a:ext cx="5048955" cy="657317"/>
+            <a:off x="536086" y="4889457"/>
+            <a:ext cx="5344271" cy="609685"/>
           </a:xfrm>
           <a:prstGeom prst="rect">
             <a:avLst/>
@@ -8591,14 +8609,14 @@
       </p:pic>
       <p:sp>
         <p:nvSpPr>
-          <p:cNvPr id="12" name="TextBox 11"/>
+          <p:cNvPr id="15" name="TextBox 14"/>
           <p:cNvSpPr txBox="1"/>
           <p:nvPr/>
         </p:nvSpPr>
         <p:spPr>
           <a:xfrm>
-            <a:off x="518556" y="4528061"/>
-            <a:ext cx="2171748" cy="307777"/>
+            <a:off x="536086" y="4557514"/>
+            <a:ext cx="1132490" cy="307777"/>
           </a:xfrm>
           <a:prstGeom prst="rect">
             <a:avLst/>
@@ -8613,58 +8631,9 @@
           <a:p>
             <a:r>
               <a:rPr lang="en-US" altLang="ko-KR" sz="1400" dirty="0" err="1" smtClean="0"/>
-              <a:t>ResponseHeaderBuilder</a:t>
-            </a:r>
-            <a:r>
-              <a:rPr lang="en-US" altLang="ko-KR" sz="1400" dirty="0" smtClean="0"/>
-              <a:t> </a:t>
-            </a:r>
-          </a:p>
-        </p:txBody>
-      </p:sp>
-      <p:sp>
-        <p:nvSpPr>
-          <p:cNvPr id="13" name="TextBox 12"/>
-          <p:cNvSpPr txBox="1"/>
-          <p:nvPr/>
-        </p:nvSpPr>
-        <p:spPr>
-          <a:xfrm>
-            <a:off x="399706" y="4004841"/>
-            <a:ext cx="5485220" cy="369332"/>
-          </a:xfrm>
-          <a:prstGeom prst="rect">
-            <a:avLst/>
-          </a:prstGeom>
-          <a:noFill/>
-        </p:spPr>
-        <p:txBody>
-          <a:bodyPr wrap="none" rtlCol="0">
-            <a:spAutoFit/>
-          </a:bodyPr>
-          <a:lstStyle/>
-          <a:p>
-            <a:r>
-              <a:rPr lang="en-US" altLang="ko-KR" dirty="0" err="1" smtClean="0"/>
-              <a:t>RequestHeader</a:t>
-            </a:r>
-            <a:r>
-              <a:rPr lang="ko-KR" altLang="en-US" dirty="0" smtClean="0"/>
-              <a:t>가 </a:t>
-            </a:r>
-            <a:r>
-              <a:rPr lang="en-US" altLang="ko-KR" dirty="0" err="1" smtClean="0"/>
-              <a:t>keepAlive</a:t>
-            </a:r>
-            <a:r>
-              <a:rPr lang="en-US" altLang="ko-KR" dirty="0" smtClean="0"/>
-              <a:t> </a:t>
-            </a:r>
-            <a:r>
-              <a:rPr lang="ko-KR" altLang="en-US" dirty="0" smtClean="0"/>
-              <a:t>상태일 경우 헤더 추가</a:t>
-            </a:r>
-            <a:endParaRPr lang="ko-KR" altLang="en-US" dirty="0"/>
+              <a:t>ErrorServlet</a:t>
+            </a:r>
+            <a:endParaRPr lang="ko-KR" altLang="en-US" sz="1400" dirty="0"/>
           </a:p>
         </p:txBody>
       </p:sp>
@@ -9473,11 +9442,7 @@
           <a:p>
             <a:r>
               <a:rPr lang="en-US" altLang="ko-KR" dirty="0" smtClean="0"/>
-              <a:t>Test </a:t>
-            </a:r>
-            <a:r>
-              <a:rPr lang="en-US" altLang="ko-KR" dirty="0" smtClean="0"/>
-              <a:t>- </a:t>
+              <a:t>Test - </a:t>
             </a:r>
             <a:r>
               <a:rPr lang="en-US" altLang="ko-KR" dirty="0" err="1" smtClean="0"/>
@@ -11470,13 +11435,8 @@
           <a:p>
             <a:r>
               <a:rPr lang="en-US" altLang="ko-KR" dirty="0" smtClean="0"/>
-              <a:t>-</a:t>
-            </a:r>
-            <a:r>
-              <a:rPr lang="en-US" altLang="ko-KR" dirty="0" smtClean="0"/>
-              <a:t>Redirection</a:t>
-            </a:r>
-            <a:endParaRPr lang="en-US" altLang="ko-KR" dirty="0" smtClean="0"/>
+              <a:t>-Redirection</a:t>
+            </a:r>
           </a:p>
           <a:p>
             <a:endParaRPr lang="en-US" altLang="ko-KR" dirty="0" smtClean="0"/>
@@ -13735,11 +13695,7 @@
             </a:r>
             <a:r>
               <a:rPr lang="ko-KR" altLang="en-US" sz="1400" dirty="0" smtClean="0"/>
-              <a:t>부하 </a:t>
-            </a:r>
-            <a:r>
-              <a:rPr lang="ko-KR" altLang="en-US" sz="1400" dirty="0" smtClean="0"/>
-              <a:t>테스트</a:t>
+              <a:t>부하 테스트</a:t>
             </a:r>
             <a:endParaRPr lang="en-US" altLang="ko-KR" sz="1400" dirty="0" smtClean="0"/>
           </a:p>
@@ -13748,7 +13704,6 @@
               <a:rPr lang="en-US" altLang="ko-KR" sz="1400" dirty="0" smtClean="0"/>
               <a:t>-JAVA client code</a:t>
             </a:r>
-            <a:endParaRPr lang="en-US" altLang="ko-KR" sz="1400" dirty="0" smtClean="0"/>
           </a:p>
         </p:txBody>
       </p:sp>
@@ -14435,11 +14390,7 @@
               </a:r>
               <a:r>
                 <a:rPr lang="ko-KR" altLang="en-US" sz="1600" dirty="0" smtClean="0"/>
-                <a:t>담는 </a:t>
-              </a:r>
-              <a:r>
-                <a:rPr lang="ko-KR" altLang="en-US" sz="1600" dirty="0" smtClean="0"/>
-                <a:t>객체</a:t>
+                <a:t>담는 객체</a:t>
               </a:r>
               <a:r>
                 <a:rPr lang="en-US" altLang="ko-KR" sz="1600" dirty="0" smtClean="0"/>
@@ -15159,11 +15110,7 @@
             </a:r>
             <a:r>
               <a:rPr lang="en-US" altLang="ko-KR" dirty="0" smtClean="0"/>
-              <a:t>–handler &amp; build</a:t>
-            </a:r>
-            <a:r>
-              <a:rPr lang="en-US" altLang="ko-KR" dirty="0" smtClean="0"/>
-              <a:t>er</a:t>
+              <a:t>–handler &amp; builder</a:t>
             </a:r>
             <a:endParaRPr lang="ko-KR" altLang="en-US" dirty="0"/>
           </a:p>
@@ -16333,11 +16280,7 @@
             </a:r>
             <a:r>
               <a:rPr lang="en-US" altLang="ko-KR" dirty="0" smtClean="0"/>
-              <a:t>– </a:t>
-            </a:r>
-            <a:r>
-              <a:rPr lang="en-US" altLang="ko-KR" dirty="0" smtClean="0"/>
-              <a:t>Request Parsing</a:t>
+              <a:t>– Request Parsing</a:t>
             </a:r>
             <a:endParaRPr lang="ko-KR" altLang="en-US" dirty="0"/>
           </a:p>

--- a/httpserver_ppt_soyeonPark.pptx
+++ b/httpserver_ppt_soyeonPark.pptx
@@ -5,7 +5,7 @@
     <p:sldMasterId id="2147483648" r:id="rId1"/>
   </p:sldMasterIdLst>
   <p:notesMasterIdLst>
-    <p:notesMasterId r:id="rId24"/>
+    <p:notesMasterId r:id="rId25"/>
   </p:notesMasterIdLst>
   <p:sldIdLst>
     <p:sldId id="256" r:id="rId2"/>
@@ -25,11 +25,12 @@
     <p:sldId id="271" r:id="rId16"/>
     <p:sldId id="280" r:id="rId17"/>
     <p:sldId id="281" r:id="rId18"/>
-    <p:sldId id="283" r:id="rId19"/>
+    <p:sldId id="285" r:id="rId19"/>
     <p:sldId id="282" r:id="rId20"/>
-    <p:sldId id="269" r:id="rId21"/>
-    <p:sldId id="270" r:id="rId22"/>
-    <p:sldId id="284" r:id="rId23"/>
+    <p:sldId id="286" r:id="rId21"/>
+    <p:sldId id="269" r:id="rId22"/>
+    <p:sldId id="270" r:id="rId23"/>
+    <p:sldId id="284" r:id="rId24"/>
   </p:sldIdLst>
   <p:sldSz cx="12192000" cy="6858000"/>
   <p:notesSz cx="6858000" cy="9144000"/>
@@ -218,7 +219,7 @@
           <a:p>
             <a:fld id="{81B463DA-8B1F-4702-BFCF-BDF5CF43E1A4}" type="datetimeFigureOut">
               <a:rPr lang="ko-KR" altLang="en-US" smtClean="0"/>
-              <a:t>2020-02-13</a:t>
+              <a:t>2020-02-14</a:t>
             </a:fld>
             <a:endParaRPr lang="ko-KR" altLang="en-US"/>
           </a:p>
@@ -1416,7 +1417,7 @@
           <a:p>
             <a:fld id="{57669802-64B4-4C67-BCE1-54D27E9269A0}" type="slidenum">
               <a:rPr lang="ko-KR" altLang="en-US" smtClean="0"/>
-              <a:t>20</a:t>
+              <a:t>21</a:t>
             </a:fld>
             <a:endParaRPr lang="ko-KR" altLang="en-US"/>
           </a:p>
@@ -3073,7 +3074,7 @@
           <a:p>
             <a:fld id="{B2E4E223-AC38-40A0-B5D2-963A4B93F8DD}" type="datetimeFigureOut">
               <a:rPr lang="ko-KR" altLang="en-US" smtClean="0"/>
-              <a:t>2020-02-13</a:t>
+              <a:t>2020-02-14</a:t>
             </a:fld>
             <a:endParaRPr lang="ko-KR" altLang="en-US"/>
           </a:p>
@@ -3243,7 +3244,7 @@
           <a:p>
             <a:fld id="{B2E4E223-AC38-40A0-B5D2-963A4B93F8DD}" type="datetimeFigureOut">
               <a:rPr lang="ko-KR" altLang="en-US" smtClean="0"/>
-              <a:t>2020-02-13</a:t>
+              <a:t>2020-02-14</a:t>
             </a:fld>
             <a:endParaRPr lang="ko-KR" altLang="en-US"/>
           </a:p>
@@ -3423,7 +3424,7 @@
           <a:p>
             <a:fld id="{B2E4E223-AC38-40A0-B5D2-963A4B93F8DD}" type="datetimeFigureOut">
               <a:rPr lang="ko-KR" altLang="en-US" smtClean="0"/>
-              <a:t>2020-02-13</a:t>
+              <a:t>2020-02-14</a:t>
             </a:fld>
             <a:endParaRPr lang="ko-KR" altLang="en-US"/>
           </a:p>
@@ -3593,7 +3594,7 @@
           <a:p>
             <a:fld id="{B2E4E223-AC38-40A0-B5D2-963A4B93F8DD}" type="datetimeFigureOut">
               <a:rPr lang="ko-KR" altLang="en-US" smtClean="0"/>
-              <a:t>2020-02-13</a:t>
+              <a:t>2020-02-14</a:t>
             </a:fld>
             <a:endParaRPr lang="ko-KR" altLang="en-US"/>
           </a:p>
@@ -3839,7 +3840,7 @@
           <a:p>
             <a:fld id="{B2E4E223-AC38-40A0-B5D2-963A4B93F8DD}" type="datetimeFigureOut">
               <a:rPr lang="ko-KR" altLang="en-US" smtClean="0"/>
-              <a:t>2020-02-13</a:t>
+              <a:t>2020-02-14</a:t>
             </a:fld>
             <a:endParaRPr lang="ko-KR" altLang="en-US"/>
           </a:p>
@@ -4071,7 +4072,7 @@
           <a:p>
             <a:fld id="{B2E4E223-AC38-40A0-B5D2-963A4B93F8DD}" type="datetimeFigureOut">
               <a:rPr lang="ko-KR" altLang="en-US" smtClean="0"/>
-              <a:t>2020-02-13</a:t>
+              <a:t>2020-02-14</a:t>
             </a:fld>
             <a:endParaRPr lang="ko-KR" altLang="en-US"/>
           </a:p>
@@ -4438,7 +4439,7 @@
           <a:p>
             <a:fld id="{B2E4E223-AC38-40A0-B5D2-963A4B93F8DD}" type="datetimeFigureOut">
               <a:rPr lang="ko-KR" altLang="en-US" smtClean="0"/>
-              <a:t>2020-02-13</a:t>
+              <a:t>2020-02-14</a:t>
             </a:fld>
             <a:endParaRPr lang="ko-KR" altLang="en-US"/>
           </a:p>
@@ -4556,7 +4557,7 @@
           <a:p>
             <a:fld id="{B2E4E223-AC38-40A0-B5D2-963A4B93F8DD}" type="datetimeFigureOut">
               <a:rPr lang="ko-KR" altLang="en-US" smtClean="0"/>
-              <a:t>2020-02-13</a:t>
+              <a:t>2020-02-14</a:t>
             </a:fld>
             <a:endParaRPr lang="ko-KR" altLang="en-US"/>
           </a:p>
@@ -4651,7 +4652,7 @@
           <a:p>
             <a:fld id="{B2E4E223-AC38-40A0-B5D2-963A4B93F8DD}" type="datetimeFigureOut">
               <a:rPr lang="ko-KR" altLang="en-US" smtClean="0"/>
-              <a:t>2020-02-13</a:t>
+              <a:t>2020-02-14</a:t>
             </a:fld>
             <a:endParaRPr lang="ko-KR" altLang="en-US"/>
           </a:p>
@@ -4928,7 +4929,7 @@
           <a:p>
             <a:fld id="{B2E4E223-AC38-40A0-B5D2-963A4B93F8DD}" type="datetimeFigureOut">
               <a:rPr lang="ko-KR" altLang="en-US" smtClean="0"/>
-              <a:t>2020-02-13</a:t>
+              <a:t>2020-02-14</a:t>
             </a:fld>
             <a:endParaRPr lang="ko-KR" altLang="en-US"/>
           </a:p>
@@ -5181,7 +5182,7 @@
           <a:p>
             <a:fld id="{B2E4E223-AC38-40A0-B5D2-963A4B93F8DD}" type="datetimeFigureOut">
               <a:rPr lang="ko-KR" altLang="en-US" smtClean="0"/>
-              <a:t>2020-02-13</a:t>
+              <a:t>2020-02-14</a:t>
             </a:fld>
             <a:endParaRPr lang="ko-KR" altLang="en-US"/>
           </a:p>
@@ -5394,7 +5395,7 @@
           <a:p>
             <a:fld id="{B2E4E223-AC38-40A0-B5D2-963A4B93F8DD}" type="datetimeFigureOut">
               <a:rPr lang="ko-KR" altLang="en-US" smtClean="0"/>
-              <a:t>2020-02-13</a:t>
+              <a:t>2020-02-14</a:t>
             </a:fld>
             <a:endParaRPr lang="ko-KR" altLang="en-US"/>
           </a:p>
@@ -8563,11 +8564,7 @@
           <a:p>
             <a:r>
               <a:rPr lang="en-US" altLang="ko-KR" dirty="0" smtClean="0"/>
-              <a:t>3</a:t>
-            </a:r>
-            <a:r>
-              <a:rPr lang="en-US" altLang="ko-KR" dirty="0" smtClean="0"/>
-              <a:t>.Cache-Control </a:t>
+              <a:t>3.Cache-Control </a:t>
             </a:r>
             <a:r>
               <a:rPr lang="ko-KR" altLang="en-US" dirty="0" smtClean="0"/>
@@ -9418,44 +9415,6 @@
           </a:prstGeom>
         </p:spPr>
       </p:pic>
-      <p:sp>
-        <p:nvSpPr>
-          <p:cNvPr id="11" name="TextBox 10"/>
-          <p:cNvSpPr txBox="1"/>
-          <p:nvPr/>
-        </p:nvSpPr>
-        <p:spPr>
-          <a:xfrm>
-            <a:off x="265217" y="199900"/>
-            <a:ext cx="3950523" cy="369332"/>
-          </a:xfrm>
-          <a:prstGeom prst="rect">
-            <a:avLst/>
-          </a:prstGeom>
-          <a:noFill/>
-        </p:spPr>
-        <p:txBody>
-          <a:bodyPr wrap="square" rtlCol="0">
-            <a:spAutoFit/>
-          </a:bodyPr>
-          <a:lstStyle/>
-          <a:p>
-            <a:r>
-              <a:rPr lang="en-US" altLang="ko-KR" dirty="0" smtClean="0"/>
-              <a:t>Test - </a:t>
-            </a:r>
-            <a:r>
-              <a:rPr lang="en-US" altLang="ko-KR" dirty="0" err="1" smtClean="0"/>
-              <a:t>Jmeter</a:t>
-            </a:r>
-            <a:r>
-              <a:rPr lang="en-US" altLang="ko-KR" dirty="0" smtClean="0"/>
-              <a:t> stress Test</a:t>
-            </a:r>
-            <a:endParaRPr lang="ko-KR" altLang="en-US" dirty="0"/>
-          </a:p>
-        </p:txBody>
-      </p:sp>
       <p:cxnSp>
         <p:nvCxnSpPr>
           <p:cNvPr id="3" name="직선 연결선 2"/>
@@ -9986,6 +9945,60 @@
           <a:p>
             <a:pPr algn="ctr"/>
             <a:endParaRPr lang="ko-KR" altLang="en-US"/>
+          </a:p>
+        </p:txBody>
+      </p:sp>
+      <p:sp>
+        <p:nvSpPr>
+          <p:cNvPr id="25" name="TextBox 24"/>
+          <p:cNvSpPr txBox="1"/>
+          <p:nvPr/>
+        </p:nvSpPr>
+        <p:spPr>
+          <a:xfrm>
+            <a:off x="265217" y="199900"/>
+            <a:ext cx="4549974" cy="369332"/>
+          </a:xfrm>
+          <a:prstGeom prst="rect">
+            <a:avLst/>
+          </a:prstGeom>
+          <a:noFill/>
+        </p:spPr>
+        <p:txBody>
+          <a:bodyPr wrap="square" rtlCol="0">
+            <a:spAutoFit/>
+          </a:bodyPr>
+          <a:lstStyle/>
+          <a:p>
+            <a:r>
+              <a:rPr lang="en-US" altLang="ko-KR" dirty="0" smtClean="0"/>
+              <a:t>Test </a:t>
+            </a:r>
+            <a:r>
+              <a:rPr lang="en-US" altLang="ko-KR" dirty="0" err="1" smtClean="0"/>
+              <a:t>Jmeter</a:t>
+            </a:r>
+            <a:r>
+              <a:rPr lang="en-US" altLang="ko-KR" dirty="0" smtClean="0"/>
+              <a:t> </a:t>
+            </a:r>
+            <a:r>
+              <a:rPr lang="ko-KR" altLang="en-US" dirty="0" smtClean="0"/>
+              <a:t>부하테스트</a:t>
+            </a:r>
+            <a:r>
+              <a:rPr lang="en-US" altLang="ko-KR" dirty="0" smtClean="0"/>
+              <a:t>(Thread </a:t>
+            </a:r>
+            <a:r>
+              <a:rPr lang="ko-KR" altLang="en-US" dirty="0" smtClean="0"/>
+              <a:t>수 </a:t>
+            </a:r>
+            <a:r>
+              <a:rPr lang="en-US" altLang="ko-KR" dirty="0" smtClean="0"/>
+              <a:t>:200 )</a:t>
+            </a:r>
+            <a:endParaRPr lang="ko-KR" altLang="en-US" dirty="0"/>
           </a:p>
         </p:txBody>
       </p:sp>
@@ -10133,7 +10146,7 @@
         <p:spPr>
           <a:xfrm>
             <a:off x="265217" y="199900"/>
-            <a:ext cx="3950523" cy="369332"/>
+            <a:ext cx="4549974" cy="369332"/>
           </a:xfrm>
           <a:prstGeom prst="rect">
             <a:avLst/>
@@ -10161,6 +10174,18 @@
             <a:r>
               <a:rPr lang="ko-KR" altLang="en-US" dirty="0" smtClean="0"/>
               <a:t>부하테스트</a:t>
+            </a:r>
+            <a:r>
+              <a:rPr lang="en-US" altLang="ko-KR" dirty="0" smtClean="0"/>
+              <a:t>(Thread </a:t>
+            </a:r>
+            <a:r>
+              <a:rPr lang="ko-KR" altLang="en-US" dirty="0" smtClean="0"/>
+              <a:t>수 </a:t>
+            </a:r>
+            <a:r>
+              <a:rPr lang="en-US" altLang="ko-KR" dirty="0" smtClean="0"/>
+              <a:t>:200 )</a:t>
             </a:r>
             <a:endParaRPr lang="ko-KR" altLang="en-US" dirty="0"/>
           </a:p>
@@ -10448,7 +10473,7 @@
     </p:spTree>
     <p:extLst>
       <p:ext uri="{BB962C8B-B14F-4D97-AF65-F5344CB8AC3E}">
-        <p14:creationId xmlns:p14="http://schemas.microsoft.com/office/powerpoint/2010/main" val="3260635532"/>
+        <p14:creationId xmlns:p14="http://schemas.microsoft.com/office/powerpoint/2010/main" val="1147104962"/>
       </p:ext>
     </p:extLst>
   </p:cSld>
@@ -10885,63 +10910,50 @@
       </p:sp>
       <p:sp>
         <p:nvSpPr>
-          <p:cNvPr id="15" name="직사각형 14"/>
-          <p:cNvSpPr/>
+          <p:cNvPr id="16" name="TextBox 15"/>
+          <p:cNvSpPr txBox="1"/>
           <p:nvPr/>
         </p:nvSpPr>
         <p:spPr>
           <a:xfrm>
-            <a:off x="2017669" y="5567265"/>
-            <a:ext cx="420732" cy="909113"/>
+            <a:off x="218846" y="5747657"/>
+            <a:ext cx="1850122" cy="646331"/>
           </a:xfrm>
           <a:prstGeom prst="rect">
             <a:avLst/>
           </a:prstGeom>
           <a:noFill/>
-          <a:ln w="19050">
-            <a:solidFill>
-              <a:schemeClr val="accent4">
-                <a:lumMod val="60000"/>
-                <a:lumOff val="40000"/>
-              </a:schemeClr>
-            </a:solidFill>
-          </a:ln>
-        </p:spPr>
-        <p:style>
-          <a:lnRef idx="2">
-            <a:schemeClr val="accent1">
-              <a:shade val="50000"/>
-            </a:schemeClr>
-          </a:lnRef>
-          <a:fillRef idx="1">
-            <a:schemeClr val="accent1"/>
-          </a:fillRef>
-          <a:effectRef idx="0">
-            <a:schemeClr val="accent1"/>
-          </a:effectRef>
-          <a:fontRef idx="minor">
-            <a:schemeClr val="lt1"/>
-          </a:fontRef>
-        </p:style>
-        <p:txBody>
-          <a:bodyPr rtlCol="0" anchor="ctr"/>
+        </p:spPr>
+        <p:txBody>
+          <a:bodyPr wrap="none" rtlCol="0">
+            <a:spAutoFit/>
+          </a:bodyPr>
           <a:lstStyle/>
           <a:p>
-            <a:pPr algn="ctr"/>
-            <a:endParaRPr lang="ko-KR" altLang="en-US"/>
-          </a:p>
-        </p:txBody>
-      </p:sp>
-      <p:sp>
-        <p:nvSpPr>
-          <p:cNvPr id="16" name="TextBox 15"/>
+            <a:r>
+              <a:rPr lang="en-US" altLang="ko-KR" dirty="0" smtClean="0"/>
+              <a:t>Threads : 10000</a:t>
+            </a:r>
+          </a:p>
+          <a:p>
+            <a:r>
+              <a:rPr lang="en-US" altLang="ko-KR" dirty="0" smtClean="0"/>
+              <a:t>Loop : 1</a:t>
+            </a:r>
+            <a:endParaRPr lang="ko-KR" altLang="en-US" dirty="0"/>
+          </a:p>
+        </p:txBody>
+      </p:sp>
+      <p:sp>
+        <p:nvSpPr>
+          <p:cNvPr id="17" name="TextBox 16"/>
           <p:cNvSpPr txBox="1"/>
           <p:nvPr/>
         </p:nvSpPr>
         <p:spPr>
           <a:xfrm>
-            <a:off x="218846" y="5747657"/>
-            <a:ext cx="1850122" cy="646331"/>
+            <a:off x="265217" y="199900"/>
+            <a:ext cx="4549974" cy="369332"/>
           </a:xfrm>
           <a:prstGeom prst="rect">
             <a:avLst/>
@@ -10949,20 +10961,38 @@
           <a:noFill/>
         </p:spPr>
         <p:txBody>
-          <a:bodyPr wrap="none" rtlCol="0">
+          <a:bodyPr wrap="square" rtlCol="0">
             <a:spAutoFit/>
           </a:bodyPr>
           <a:lstStyle/>
           <a:p>
             <a:r>
               <a:rPr lang="en-US" altLang="ko-KR" dirty="0" smtClean="0"/>
-              <a:t>Threads : 10000</a:t>
-            </a:r>
-          </a:p>
-          <a:p>
+              <a:t>Test </a:t>
+            </a:r>
+            <a:r>
+              <a:rPr lang="en-US" altLang="ko-KR" dirty="0" err="1" smtClean="0"/>
+              <a:t>Jmeter</a:t>
+            </a:r>
             <a:r>
               <a:rPr lang="en-US" altLang="ko-KR" dirty="0" smtClean="0"/>
-              <a:t>Loop : 1</a:t>
+              <a:t> </a:t>
+            </a:r>
+            <a:r>
+              <a:rPr lang="ko-KR" altLang="en-US" dirty="0" smtClean="0"/>
+              <a:t>부하테스트</a:t>
+            </a:r>
+            <a:r>
+              <a:rPr lang="en-US" altLang="ko-KR" dirty="0" smtClean="0"/>
+              <a:t>(Thread </a:t>
+            </a:r>
+            <a:r>
+              <a:rPr lang="ko-KR" altLang="en-US" dirty="0" smtClean="0"/>
+              <a:t>수 </a:t>
+            </a:r>
+            <a:r>
+              <a:rPr lang="en-US" altLang="ko-KR" dirty="0" smtClean="0"/>
+              <a:t>:200 )</a:t>
             </a:r>
             <a:endParaRPr lang="ko-KR" altLang="en-US" dirty="0"/>
           </a:p>
@@ -11275,6 +11305,466 @@
 </file>
 
 <file path=ppt/slides/slide20.xml><?xml version="1.0" encoding="utf-8"?>
+<p:sld xmlns:a="http://schemas.openxmlformats.org/drawingml/2006/main" xmlns:r="http://schemas.openxmlformats.org/officeDocument/2006/relationships" xmlns:p="http://schemas.openxmlformats.org/presentationml/2006/main">
+  <p:cSld>
+    <p:spTree>
+      <p:nvGrpSpPr>
+        <p:cNvPr id="1" name=""/>
+        <p:cNvGrpSpPr/>
+        <p:nvPr/>
+      </p:nvGrpSpPr>
+      <p:grpSpPr>
+        <a:xfrm>
+          <a:off x="0" y="0"/>
+          <a:ext cx="0" cy="0"/>
+          <a:chOff x="0" y="0"/>
+          <a:chExt cx="0" cy="0"/>
+        </a:xfrm>
+      </p:grpSpPr>
+      <p:pic>
+        <p:nvPicPr>
+          <p:cNvPr id="5" name="그림 4"/>
+          <p:cNvPicPr>
+            <a:picLocks noChangeAspect="1"/>
+          </p:cNvPicPr>
+          <p:nvPr/>
+        </p:nvPicPr>
+        <p:blipFill>
+          <a:blip r:embed="rId2">
+            <a:extLst>
+              <a:ext uri="{28A0092B-C50C-407E-A947-70E740481C1C}">
+                <a14:useLocalDpi xmlns:a14="http://schemas.microsoft.com/office/drawing/2010/main" val="0"/>
+              </a:ext>
+            </a:extLst>
+          </a:blip>
+          <a:stretch>
+            <a:fillRect/>
+          </a:stretch>
+        </p:blipFill>
+        <p:spPr>
+          <a:xfrm>
+            <a:off x="368135" y="1037815"/>
+            <a:ext cx="11455730" cy="408338"/>
+          </a:xfrm>
+          <a:prstGeom prst="rect">
+            <a:avLst/>
+          </a:prstGeom>
+        </p:spPr>
+      </p:pic>
+      <p:pic>
+        <p:nvPicPr>
+          <p:cNvPr id="4" name="그림 3"/>
+          <p:cNvPicPr>
+            <a:picLocks noChangeAspect="1"/>
+          </p:cNvPicPr>
+          <p:nvPr/>
+        </p:nvPicPr>
+        <p:blipFill>
+          <a:blip r:embed="rId3">
+            <a:extLst>
+              <a:ext uri="{28A0092B-C50C-407E-A947-70E740481C1C}">
+                <a14:useLocalDpi xmlns:a14="http://schemas.microsoft.com/office/drawing/2010/main" val="0"/>
+              </a:ext>
+            </a:extLst>
+          </a:blip>
+          <a:stretch>
+            <a:fillRect/>
+          </a:stretch>
+        </p:blipFill>
+        <p:spPr>
+          <a:xfrm>
+            <a:off x="1076127" y="1622643"/>
+            <a:ext cx="9954638" cy="5095984"/>
+          </a:xfrm>
+          <a:prstGeom prst="rect">
+            <a:avLst/>
+          </a:prstGeom>
+        </p:spPr>
+      </p:pic>
+      <p:cxnSp>
+        <p:nvCxnSpPr>
+          <p:cNvPr id="3" name="직선 연결선 2"/>
+          <p:cNvCxnSpPr/>
+          <p:nvPr/>
+        </p:nvCxnSpPr>
+        <p:spPr>
+          <a:xfrm>
+            <a:off x="368135" y="569232"/>
+            <a:ext cx="11370623" cy="0"/>
+          </a:xfrm>
+          <a:prstGeom prst="line">
+            <a:avLst/>
+          </a:prstGeom>
+          <a:ln w="9525">
+            <a:solidFill>
+              <a:schemeClr val="bg1">
+                <a:lumMod val="65000"/>
+              </a:schemeClr>
+            </a:solidFill>
+          </a:ln>
+        </p:spPr>
+        <p:style>
+          <a:lnRef idx="1">
+            <a:schemeClr val="accent1"/>
+          </a:lnRef>
+          <a:fillRef idx="0">
+            <a:schemeClr val="accent1"/>
+          </a:fillRef>
+          <a:effectRef idx="0">
+            <a:schemeClr val="accent1"/>
+          </a:effectRef>
+          <a:fontRef idx="minor">
+            <a:schemeClr val="tx1"/>
+          </a:fontRef>
+        </p:style>
+      </p:cxnSp>
+      <p:sp>
+        <p:nvSpPr>
+          <p:cNvPr id="10" name="직사각형 9"/>
+          <p:cNvSpPr/>
+          <p:nvPr/>
+        </p:nvSpPr>
+        <p:spPr>
+          <a:xfrm>
+            <a:off x="1634247" y="3421225"/>
+            <a:ext cx="1196502" cy="3126048"/>
+          </a:xfrm>
+          <a:prstGeom prst="rect">
+            <a:avLst/>
+          </a:prstGeom>
+          <a:noFill/>
+          <a:ln w="19050">
+            <a:solidFill>
+              <a:schemeClr val="accent4">
+                <a:lumMod val="60000"/>
+                <a:lumOff val="40000"/>
+              </a:schemeClr>
+            </a:solidFill>
+          </a:ln>
+        </p:spPr>
+        <p:style>
+          <a:lnRef idx="2">
+            <a:schemeClr val="accent1">
+              <a:shade val="50000"/>
+            </a:schemeClr>
+          </a:lnRef>
+          <a:fillRef idx="1">
+            <a:schemeClr val="accent1"/>
+          </a:fillRef>
+          <a:effectRef idx="0">
+            <a:schemeClr val="accent1"/>
+          </a:effectRef>
+          <a:fontRef idx="minor">
+            <a:schemeClr val="lt1"/>
+          </a:fontRef>
+        </p:style>
+        <p:txBody>
+          <a:bodyPr rtlCol="0" anchor="ctr"/>
+          <a:lstStyle/>
+          <a:p>
+            <a:pPr algn="ctr"/>
+            <a:endParaRPr lang="ko-KR" altLang="en-US"/>
+          </a:p>
+        </p:txBody>
+      </p:sp>
+      <p:sp>
+        <p:nvSpPr>
+          <p:cNvPr id="12" name="직사각형 11"/>
+          <p:cNvSpPr/>
+          <p:nvPr/>
+        </p:nvSpPr>
+        <p:spPr>
+          <a:xfrm>
+            <a:off x="4893012" y="2593910"/>
+            <a:ext cx="5953327" cy="3953363"/>
+          </a:xfrm>
+          <a:prstGeom prst="rect">
+            <a:avLst/>
+          </a:prstGeom>
+          <a:noFill/>
+          <a:ln w="19050">
+            <a:solidFill>
+              <a:schemeClr val="accent4">
+                <a:lumMod val="60000"/>
+                <a:lumOff val="40000"/>
+              </a:schemeClr>
+            </a:solidFill>
+          </a:ln>
+        </p:spPr>
+        <p:style>
+          <a:lnRef idx="2">
+            <a:schemeClr val="accent1">
+              <a:shade val="50000"/>
+            </a:schemeClr>
+          </a:lnRef>
+          <a:fillRef idx="1">
+            <a:schemeClr val="accent1"/>
+          </a:fillRef>
+          <a:effectRef idx="0">
+            <a:schemeClr val="accent1"/>
+          </a:effectRef>
+          <a:fontRef idx="minor">
+            <a:schemeClr val="lt1"/>
+          </a:fontRef>
+        </p:style>
+        <p:txBody>
+          <a:bodyPr rtlCol="0" anchor="ctr"/>
+          <a:lstStyle/>
+          <a:p>
+            <a:pPr algn="ctr"/>
+            <a:endParaRPr lang="ko-KR" altLang="en-US"/>
+          </a:p>
+        </p:txBody>
+      </p:sp>
+      <p:sp>
+        <p:nvSpPr>
+          <p:cNvPr id="7" name="TextBox 6"/>
+          <p:cNvSpPr txBox="1"/>
+          <p:nvPr/>
+        </p:nvSpPr>
+        <p:spPr>
+          <a:xfrm>
+            <a:off x="2195900" y="3051893"/>
+            <a:ext cx="1116011" cy="369332"/>
+          </a:xfrm>
+          <a:prstGeom prst="rect">
+            <a:avLst/>
+          </a:prstGeom>
+          <a:noFill/>
+        </p:spPr>
+        <p:txBody>
+          <a:bodyPr wrap="none" rtlCol="0">
+            <a:spAutoFit/>
+          </a:bodyPr>
+          <a:lstStyle/>
+          <a:p>
+            <a:r>
+              <a:rPr lang="en-US" altLang="ko-KR" dirty="0" smtClean="0"/>
+              <a:t>100</a:t>
+            </a:r>
+            <a:r>
+              <a:rPr lang="ko-KR" altLang="en-US" dirty="0" smtClean="0"/>
+              <a:t> </a:t>
+            </a:r>
+            <a:r>
+              <a:rPr lang="en-US" altLang="ko-KR" dirty="0" smtClean="0"/>
+              <a:t>loop</a:t>
+            </a:r>
+            <a:endParaRPr lang="ko-KR" altLang="en-US" dirty="0"/>
+          </a:p>
+        </p:txBody>
+      </p:sp>
+      <p:sp>
+        <p:nvSpPr>
+          <p:cNvPr id="20" name="TextBox 19"/>
+          <p:cNvSpPr txBox="1"/>
+          <p:nvPr/>
+        </p:nvSpPr>
+        <p:spPr>
+          <a:xfrm>
+            <a:off x="7766608" y="3355229"/>
+            <a:ext cx="1242648" cy="369332"/>
+          </a:xfrm>
+          <a:prstGeom prst="rect">
+            <a:avLst/>
+          </a:prstGeom>
+          <a:noFill/>
+        </p:spPr>
+        <p:txBody>
+          <a:bodyPr wrap="none" rtlCol="0">
+            <a:spAutoFit/>
+          </a:bodyPr>
+          <a:lstStyle/>
+          <a:p>
+            <a:r>
+              <a:rPr lang="en-US" altLang="ko-KR" dirty="0" smtClean="0"/>
+              <a:t>1000</a:t>
+            </a:r>
+            <a:r>
+              <a:rPr lang="ko-KR" altLang="en-US" dirty="0" smtClean="0"/>
+              <a:t> </a:t>
+            </a:r>
+            <a:r>
+              <a:rPr lang="en-US" altLang="ko-KR" dirty="0" smtClean="0"/>
+              <a:t>loop</a:t>
+            </a:r>
+            <a:endParaRPr lang="ko-KR" altLang="en-US" dirty="0"/>
+          </a:p>
+        </p:txBody>
+      </p:sp>
+      <p:sp>
+        <p:nvSpPr>
+          <p:cNvPr id="23" name="직사각형 22"/>
+          <p:cNvSpPr/>
+          <p:nvPr/>
+        </p:nvSpPr>
+        <p:spPr>
+          <a:xfrm>
+            <a:off x="2729950" y="843779"/>
+            <a:ext cx="831279" cy="796409"/>
+          </a:xfrm>
+          <a:prstGeom prst="rect">
+            <a:avLst/>
+          </a:prstGeom>
+          <a:noFill/>
+          <a:ln w="19050">
+            <a:solidFill>
+              <a:schemeClr val="accent4">
+                <a:lumMod val="60000"/>
+                <a:lumOff val="40000"/>
+              </a:schemeClr>
+            </a:solidFill>
+          </a:ln>
+        </p:spPr>
+        <p:style>
+          <a:lnRef idx="2">
+            <a:schemeClr val="accent1">
+              <a:shade val="50000"/>
+            </a:schemeClr>
+          </a:lnRef>
+          <a:fillRef idx="1">
+            <a:schemeClr val="accent1"/>
+          </a:fillRef>
+          <a:effectRef idx="0">
+            <a:schemeClr val="accent1"/>
+          </a:effectRef>
+          <a:fontRef idx="minor">
+            <a:schemeClr val="lt1"/>
+          </a:fontRef>
+        </p:style>
+        <p:txBody>
+          <a:bodyPr rtlCol="0" anchor="ctr"/>
+          <a:lstStyle/>
+          <a:p>
+            <a:pPr algn="ctr"/>
+            <a:endParaRPr lang="ko-KR" altLang="en-US"/>
+          </a:p>
+        </p:txBody>
+      </p:sp>
+      <p:sp>
+        <p:nvSpPr>
+          <p:cNvPr id="24" name="직사각형 23"/>
+          <p:cNvSpPr/>
+          <p:nvPr/>
+        </p:nvSpPr>
+        <p:spPr>
+          <a:xfrm>
+            <a:off x="7869675" y="876492"/>
+            <a:ext cx="894946" cy="743543"/>
+          </a:xfrm>
+          <a:prstGeom prst="rect">
+            <a:avLst/>
+          </a:prstGeom>
+          <a:noFill/>
+          <a:ln w="19050">
+            <a:solidFill>
+              <a:schemeClr val="accent4">
+                <a:lumMod val="60000"/>
+                <a:lumOff val="40000"/>
+              </a:schemeClr>
+            </a:solidFill>
+          </a:ln>
+        </p:spPr>
+        <p:style>
+          <a:lnRef idx="2">
+            <a:schemeClr val="accent1">
+              <a:shade val="50000"/>
+            </a:schemeClr>
+          </a:lnRef>
+          <a:fillRef idx="1">
+            <a:schemeClr val="accent1"/>
+          </a:fillRef>
+          <a:effectRef idx="0">
+            <a:schemeClr val="accent1"/>
+          </a:effectRef>
+          <a:fontRef idx="minor">
+            <a:schemeClr val="lt1"/>
+          </a:fontRef>
+        </p:style>
+        <p:txBody>
+          <a:bodyPr rtlCol="0" anchor="ctr"/>
+          <a:lstStyle/>
+          <a:p>
+            <a:pPr algn="ctr"/>
+            <a:endParaRPr lang="ko-KR" altLang="en-US"/>
+          </a:p>
+        </p:txBody>
+      </p:sp>
+      <p:sp>
+        <p:nvSpPr>
+          <p:cNvPr id="25" name="TextBox 24"/>
+          <p:cNvSpPr txBox="1"/>
+          <p:nvPr/>
+        </p:nvSpPr>
+        <p:spPr>
+          <a:xfrm>
+            <a:off x="265217" y="199900"/>
+            <a:ext cx="4549974" cy="369332"/>
+          </a:xfrm>
+          <a:prstGeom prst="rect">
+            <a:avLst/>
+          </a:prstGeom>
+          <a:noFill/>
+        </p:spPr>
+        <p:txBody>
+          <a:bodyPr wrap="square" rtlCol="0">
+            <a:spAutoFit/>
+          </a:bodyPr>
+          <a:lstStyle/>
+          <a:p>
+            <a:r>
+              <a:rPr lang="en-US" altLang="ko-KR" dirty="0" smtClean="0"/>
+              <a:t>Test </a:t>
+            </a:r>
+            <a:r>
+              <a:rPr lang="en-US" altLang="ko-KR" dirty="0" err="1" smtClean="0"/>
+              <a:t>Jmeter</a:t>
+            </a:r>
+            <a:r>
+              <a:rPr lang="en-US" altLang="ko-KR" dirty="0" smtClean="0"/>
+              <a:t> </a:t>
+            </a:r>
+            <a:r>
+              <a:rPr lang="ko-KR" altLang="en-US" dirty="0" smtClean="0"/>
+              <a:t>부하테스트</a:t>
+            </a:r>
+            <a:r>
+              <a:rPr lang="en-US" altLang="ko-KR" dirty="0" smtClean="0"/>
+              <a:t>(Thread </a:t>
+            </a:r>
+            <a:r>
+              <a:rPr lang="ko-KR" altLang="en-US" dirty="0" smtClean="0"/>
+              <a:t>수 </a:t>
+            </a:r>
+            <a:r>
+              <a:rPr lang="en-US" altLang="ko-KR" dirty="0" smtClean="0"/>
+              <a:t>:25 )</a:t>
+            </a:r>
+            <a:endParaRPr lang="ko-KR" altLang="en-US" dirty="0"/>
+          </a:p>
+        </p:txBody>
+      </p:sp>
+    </p:spTree>
+    <p:extLst>
+      <p:ext uri="{BB962C8B-B14F-4D97-AF65-F5344CB8AC3E}">
+        <p14:creationId xmlns:p14="http://schemas.microsoft.com/office/powerpoint/2010/main" val="2587875580"/>
+      </p:ext>
+    </p:extLst>
+  </p:cSld>
+  <p:clrMapOvr>
+    <a:masterClrMapping/>
+  </p:clrMapOvr>
+  <p:timing>
+    <p:tnLst>
+      <p:par>
+        <p:cTn id="1" dur="indefinite" restart="never" nodeType="tmRoot"/>
+      </p:par>
+    </p:tnLst>
+  </p:timing>
+</p:sld>
+</file>
+
+<file path=ppt/slides/slide21.xml><?xml version="1.0" encoding="utf-8"?>
 <p:sld xmlns:a="http://schemas.openxmlformats.org/drawingml/2006/main" xmlns:r="http://schemas.openxmlformats.org/officeDocument/2006/relationships" xmlns:p="http://schemas.openxmlformats.org/presentationml/2006/main">
   <p:cSld>
     <p:spTree>
@@ -12604,7 +13094,7 @@
 </p:sld>
 </file>
 
-<file path=ppt/slides/slide21.xml><?xml version="1.0" encoding="utf-8"?>
+<file path=ppt/slides/slide22.xml><?xml version="1.0" encoding="utf-8"?>
 <p:sld xmlns:a="http://schemas.openxmlformats.org/drawingml/2006/main" xmlns:r="http://schemas.openxmlformats.org/officeDocument/2006/relationships" xmlns:p="http://schemas.openxmlformats.org/presentationml/2006/main">
   <p:cSld>
     <p:spTree>
@@ -12708,7 +13198,7 @@
 </p:sld>
 </file>
 
-<file path=ppt/slides/slide22.xml><?xml version="1.0" encoding="utf-8"?>
+<file path=ppt/slides/slide23.xml><?xml version="1.0" encoding="utf-8"?>
 <p:sld xmlns:a="http://schemas.openxmlformats.org/drawingml/2006/main" xmlns:r="http://schemas.openxmlformats.org/officeDocument/2006/relationships" xmlns:p="http://schemas.openxmlformats.org/presentationml/2006/main">
   <p:cSld>
     <p:spTree>
